--- a/Data-Refiner Math + Ai Project.pptx
+++ b/Data-Refiner Math + Ai Project.pptx
@@ -5261,8 +5261,8 @@
         </p:nvSpPr>
         <p:spPr>
           <a:xfrm rot="0">
-            <a:off x="-1730042" y="5725810"/>
-            <a:ext cx="13898748" cy="2371725"/>
+            <a:off x="-2910232" y="5725810"/>
+            <a:ext cx="13898748" cy="771525"/>
           </a:xfrm>
           <a:prstGeom prst="rect">
             <a:avLst/>
@@ -5289,22 +5289,8 @@
                 <a:cs typeface="Fredoka"/>
                 <a:sym typeface="Fredoka"/>
               </a:rPr>
-              <a:t>WHAT IS BENFORD'S LAW? </a:t>
-            </a:r>
-          </a:p>
-          <a:p>
-            <a:pPr algn="ctr">
-              <a:lnSpc>
-                <a:spcPts val="6299"/>
-              </a:lnSpc>
-            </a:pPr>
-          </a:p>
-          <a:p>
-            <a:pPr algn="ctr">
-              <a:lnSpc>
-                <a:spcPts val="6299"/>
-              </a:lnSpc>
-            </a:pPr>
+              <a:t>WHY IT MATTERS:</a:t>
+            </a:r>
           </a:p>
         </p:txBody>
       </p:sp>
